--- a/Docs/Project Proposal.pptx
+++ b/Docs/Project Proposal.pptx
@@ -4308,10 +4308,10 @@
       </p:sp>
       <p:pic>
         <p:nvPicPr>
-          <p:cNvPr id="5" name="Elemento grafico 4">
+          <p:cNvPr id="4" name="Elemento grafico 3">
             <a:extLst>
               <a:ext uri="{FF2B5EF4-FFF2-40B4-BE49-F238E27FC236}">
-                <a16:creationId xmlns:a16="http://schemas.microsoft.com/office/drawing/2014/main" id="{7B92B213-EEC6-65D5-700A-56EF9F7ECEDF}"/>
+                <a16:creationId xmlns:a16="http://schemas.microsoft.com/office/drawing/2014/main" id="{89154A41-B1DE-BC4B-2100-FAEC234324AC}"/>
               </a:ext>
             </a:extLst>
           </p:cNvPr>
@@ -4334,8 +4334,8 @@
         </p:blipFill>
         <p:spPr>
           <a:xfrm>
-            <a:off x="2782771" y="1233093"/>
-            <a:ext cx="3561735" cy="4787799"/>
+            <a:off x="2790950" y="1285169"/>
+            <a:ext cx="3562100" cy="4817408"/>
           </a:xfrm>
           <a:prstGeom prst="rect">
             <a:avLst/>

--- a/Docs/Project Proposal.pptx
+++ b/Docs/Project Proposal.pptx
@@ -4866,13 +4866,14 @@
               <a:buChar char="•"/>
             </a:pPr>
             <a:r>
-              <a:rPr lang="en-US" b="1" i="1" dirty="0"/>
-              <a:t>Hot posts of the day</a:t>
-            </a:r>
-            <a:r>
-              <a:rPr lang="en-US" dirty="0"/>
-              <a:t>, top 10 most commented posts of the day</a:t>
-            </a:r>
+              <a:rPr lang="en-US" b="1" i="1"/>
+              <a:t>Hot posts of a reporter</a:t>
+            </a:r>
+            <a:r>
+              <a:rPr lang="en-US"/>
+              <a:t>, top 10 most commented posts of a reporter</a:t>
+            </a:r>
+            <a:endParaRPr lang="en-US" dirty="0"/>
           </a:p>
           <a:p>
             <a:pPr marL="285750" indent="-285750">

--- a/Docs/Project Proposal.pptx
+++ b/Docs/Project Proposal.pptx
@@ -224,7 +224,7 @@
           <a:p>
             <a:fld id="{0EF95162-6873-F647-B392-BF6A1F606277}" type="datetimeFigureOut">
               <a:rPr lang="it-IT" smtClean="0"/>
-              <a:t>23/01/2023</a:t>
+              <a:t>25/01/2023</a:t>
             </a:fld>
             <a:endParaRPr lang="it-IT"/>
           </a:p>
@@ -762,7 +762,7 @@
           <a:p>
             <a:fld id="{2FDCBEE4-315A-8E42-835E-29A1DAE07625}" type="datetimeFigureOut">
               <a:rPr lang="it-IT" smtClean="0"/>
-              <a:t>23/01/2023</a:t>
+              <a:t>25/01/2023</a:t>
             </a:fld>
             <a:endParaRPr lang="it-IT"/>
           </a:p>
@@ -954,7 +954,7 @@
           <a:p>
             <a:fld id="{2FDCBEE4-315A-8E42-835E-29A1DAE07625}" type="datetimeFigureOut">
               <a:rPr lang="it-IT" smtClean="0"/>
-              <a:t>23/01/2023</a:t>
+              <a:t>25/01/2023</a:t>
             </a:fld>
             <a:endParaRPr lang="it-IT"/>
           </a:p>
@@ -1156,7 +1156,7 @@
           <a:p>
             <a:fld id="{2FDCBEE4-315A-8E42-835E-29A1DAE07625}" type="datetimeFigureOut">
               <a:rPr lang="it-IT" smtClean="0"/>
-              <a:t>23/01/2023</a:t>
+              <a:t>25/01/2023</a:t>
             </a:fld>
             <a:endParaRPr lang="it-IT"/>
           </a:p>
@@ -1348,7 +1348,7 @@
           <a:p>
             <a:fld id="{2FDCBEE4-315A-8E42-835E-29A1DAE07625}" type="datetimeFigureOut">
               <a:rPr lang="it-IT" smtClean="0"/>
-              <a:t>23/01/2023</a:t>
+              <a:t>25/01/2023</a:t>
             </a:fld>
             <a:endParaRPr lang="it-IT"/>
           </a:p>
@@ -1617,7 +1617,7 @@
           <a:p>
             <a:fld id="{2FDCBEE4-315A-8E42-835E-29A1DAE07625}" type="datetimeFigureOut">
               <a:rPr lang="it-IT" smtClean="0"/>
-              <a:t>23/01/2023</a:t>
+              <a:t>25/01/2023</a:t>
             </a:fld>
             <a:endParaRPr lang="it-IT"/>
           </a:p>
@@ -1926,7 +1926,7 @@
           <a:p>
             <a:fld id="{2FDCBEE4-315A-8E42-835E-29A1DAE07625}" type="datetimeFigureOut">
               <a:rPr lang="it-IT" smtClean="0"/>
-              <a:t>23/01/2023</a:t>
+              <a:t>25/01/2023</a:t>
             </a:fld>
             <a:endParaRPr lang="it-IT"/>
           </a:p>
@@ -2369,7 +2369,7 @@
           <a:p>
             <a:fld id="{2FDCBEE4-315A-8E42-835E-29A1DAE07625}" type="datetimeFigureOut">
               <a:rPr lang="it-IT" smtClean="0"/>
-              <a:t>23/01/2023</a:t>
+              <a:t>25/01/2023</a:t>
             </a:fld>
             <a:endParaRPr lang="it-IT"/>
           </a:p>
@@ -2510,7 +2510,7 @@
           <a:p>
             <a:fld id="{2FDCBEE4-315A-8E42-835E-29A1DAE07625}" type="datetimeFigureOut">
               <a:rPr lang="it-IT" smtClean="0"/>
-              <a:t>23/01/2023</a:t>
+              <a:t>25/01/2023</a:t>
             </a:fld>
             <a:endParaRPr lang="it-IT"/>
           </a:p>
@@ -2629,7 +2629,7 @@
           <a:p>
             <a:fld id="{2FDCBEE4-315A-8E42-835E-29A1DAE07625}" type="datetimeFigureOut">
               <a:rPr lang="it-IT" smtClean="0"/>
-              <a:t>23/01/2023</a:t>
+              <a:t>25/01/2023</a:t>
             </a:fld>
             <a:endParaRPr lang="it-IT"/>
           </a:p>
@@ -2928,7 +2928,7 @@
           <a:p>
             <a:fld id="{2FDCBEE4-315A-8E42-835E-29A1DAE07625}" type="datetimeFigureOut">
               <a:rPr lang="it-IT" smtClean="0"/>
-              <a:t>23/01/2023</a:t>
+              <a:t>25/01/2023</a:t>
             </a:fld>
             <a:endParaRPr lang="it-IT"/>
           </a:p>
@@ -3204,7 +3204,7 @@
           <a:p>
             <a:fld id="{2FDCBEE4-315A-8E42-835E-29A1DAE07625}" type="datetimeFigureOut">
               <a:rPr lang="it-IT" smtClean="0"/>
-              <a:t>23/01/2023</a:t>
+              <a:t>25/01/2023</a:t>
             </a:fld>
             <a:endParaRPr lang="it-IT"/>
           </a:p>
@@ -4308,10 +4308,10 @@
       </p:sp>
       <p:pic>
         <p:nvPicPr>
-          <p:cNvPr id="4" name="Elemento grafico 3">
+          <p:cNvPr id="5" name="Elemento grafico 4">
             <a:extLst>
               <a:ext uri="{FF2B5EF4-FFF2-40B4-BE49-F238E27FC236}">
-                <a16:creationId xmlns:a16="http://schemas.microsoft.com/office/drawing/2014/main" id="{89154A41-B1DE-BC4B-2100-FAEC234324AC}"/>
+                <a16:creationId xmlns:a16="http://schemas.microsoft.com/office/drawing/2014/main" id="{05FC57CA-2C26-BFF8-DA56-215D8AA2D0A4}"/>
               </a:ext>
             </a:extLst>
           </p:cNvPr>
@@ -4334,8 +4334,8 @@
         </p:blipFill>
         <p:spPr>
           <a:xfrm>
-            <a:off x="2790950" y="1285169"/>
-            <a:ext cx="3562100" cy="4817408"/>
+            <a:off x="2579358" y="1233093"/>
+            <a:ext cx="3985283" cy="4849928"/>
           </a:xfrm>
           <a:prstGeom prst="rect">
             <a:avLst/>

--- a/Docs/Project Proposal.pptx
+++ b/Docs/Project Proposal.pptx
@@ -136,8 +136,7 @@
 <file path=ppt/revisionInfo.xml><?xml version="1.0" encoding="utf-8"?>
 <p1510:revInfo xmlns:a="http://schemas.openxmlformats.org/drawingml/2006/main" xmlns:r="http://schemas.openxmlformats.org/officeDocument/2006/relationships" xmlns:p1510="http://schemas.microsoft.com/office/powerpoint/2015/10/main">
   <p1510:revLst>
-    <p1510:client id="{1D70A1A4-B6DC-4686-BFC3-ADD527C86591}" v="2011" dt="2023-01-22T11:44:33.915"/>
-    <p1510:client id="{7A791187-5C08-4C78-8563-34F5225C48D2}" v="284" dt="2023-01-22T11:42:29.866"/>
+    <p1510:client id="{56405020-519C-4DBD-8877-EF142B73A57C}" v="21" dt="2023-01-25T11:29:16.079"/>
   </p1510:revLst>
 </p1510:revInfo>
 </file>
@@ -3329,23 +3328,23 @@
           <a:lstStyle/>
           <a:p>
             <a:r>
-              <a:rPr lang="en-US" noProof="0" dirty="0"/>
+              <a:rPr lang="en-US" noProof="0"/>
               <a:t>Fare </a:t>
             </a:r>
             <a:r>
-              <a:rPr lang="en-US" noProof="0" dirty="0" err="1"/>
+              <a:rPr lang="en-US" noProof="0" err="1"/>
               <a:t>clic</a:t>
             </a:r>
             <a:r>
-              <a:rPr lang="en-US" noProof="0" dirty="0"/>
+              <a:rPr lang="en-US" noProof="0"/>
               <a:t> per </a:t>
             </a:r>
             <a:r>
-              <a:rPr lang="en-US" noProof="0" dirty="0" err="1"/>
+              <a:rPr lang="en-US" noProof="0" err="1"/>
               <a:t>modificare</a:t>
             </a:r>
             <a:r>
-              <a:rPr lang="en-US" noProof="0" dirty="0"/>
+              <a:rPr lang="en-US" noProof="0"/>
               <a:t> stile</a:t>
             </a:r>
           </a:p>
@@ -3378,113 +3377,113 @@
           <a:p>
             <a:pPr lvl="0"/>
             <a:r>
-              <a:rPr lang="en-US" noProof="0" dirty="0"/>
+              <a:rPr lang="en-US" noProof="0"/>
               <a:t>Fare </a:t>
             </a:r>
             <a:r>
-              <a:rPr lang="en-US" noProof="0" dirty="0" err="1"/>
+              <a:rPr lang="en-US" noProof="0" err="1"/>
               <a:t>clic</a:t>
             </a:r>
             <a:r>
-              <a:rPr lang="en-US" noProof="0" dirty="0"/>
+              <a:rPr lang="en-US" noProof="0"/>
               <a:t> per </a:t>
             </a:r>
             <a:r>
-              <a:rPr lang="en-US" noProof="0" dirty="0" err="1"/>
+              <a:rPr lang="en-US" noProof="0" err="1"/>
               <a:t>modificare</a:t>
             </a:r>
             <a:r>
-              <a:rPr lang="en-US" noProof="0" dirty="0"/>
+              <a:rPr lang="en-US" noProof="0"/>
               <a:t> </a:t>
             </a:r>
             <a:r>
-              <a:rPr lang="en-US" noProof="0" dirty="0" err="1"/>
+              <a:rPr lang="en-US" noProof="0" err="1"/>
               <a:t>gli</a:t>
             </a:r>
             <a:r>
-              <a:rPr lang="en-US" noProof="0" dirty="0"/>
+              <a:rPr lang="en-US" noProof="0"/>
               <a:t> </a:t>
             </a:r>
             <a:r>
-              <a:rPr lang="en-US" noProof="0" dirty="0" err="1"/>
+              <a:rPr lang="en-US" noProof="0" err="1"/>
               <a:t>stili</a:t>
             </a:r>
             <a:r>
-              <a:rPr lang="en-US" noProof="0" dirty="0"/>
+              <a:rPr lang="en-US" noProof="0"/>
               <a:t> del </a:t>
             </a:r>
             <a:r>
-              <a:rPr lang="en-US" noProof="0" dirty="0" err="1"/>
+              <a:rPr lang="en-US" noProof="0" err="1"/>
               <a:t>testo</a:t>
             </a:r>
             <a:r>
-              <a:rPr lang="en-US" noProof="0" dirty="0"/>
+              <a:rPr lang="en-US" noProof="0"/>
               <a:t> </a:t>
             </a:r>
             <a:r>
-              <a:rPr lang="en-US" noProof="0" dirty="0" err="1"/>
+              <a:rPr lang="en-US" noProof="0" err="1"/>
               <a:t>dello</a:t>
             </a:r>
             <a:r>
-              <a:rPr lang="en-US" noProof="0" dirty="0"/>
+              <a:rPr lang="en-US" noProof="0"/>
               <a:t> schema</a:t>
             </a:r>
           </a:p>
           <a:p>
             <a:pPr lvl="1"/>
             <a:r>
-              <a:rPr lang="en-US" noProof="0" dirty="0"/>
+              <a:rPr lang="en-US" noProof="0"/>
               <a:t>Secondo </a:t>
             </a:r>
             <a:r>
-              <a:rPr lang="en-US" noProof="0" dirty="0" err="1"/>
+              <a:rPr lang="en-US" noProof="0" err="1"/>
               <a:t>livello</a:t>
             </a:r>
-            <a:endParaRPr lang="en-US" noProof="0" dirty="0"/>
+            <a:endParaRPr lang="en-US" noProof="0"/>
           </a:p>
           <a:p>
             <a:pPr lvl="2"/>
             <a:r>
-              <a:rPr lang="en-US" noProof="0" dirty="0" err="1"/>
+              <a:rPr lang="en-US" noProof="0" err="1"/>
               <a:t>Terzo</a:t>
             </a:r>
             <a:r>
-              <a:rPr lang="en-US" noProof="0" dirty="0"/>
+              <a:rPr lang="en-US" noProof="0"/>
               <a:t> </a:t>
             </a:r>
             <a:r>
-              <a:rPr lang="en-US" noProof="0" dirty="0" err="1"/>
+              <a:rPr lang="en-US" noProof="0" err="1"/>
               <a:t>livello</a:t>
             </a:r>
-            <a:endParaRPr lang="en-US" noProof="0" dirty="0"/>
+            <a:endParaRPr lang="en-US" noProof="0"/>
           </a:p>
           <a:p>
             <a:pPr lvl="3"/>
             <a:r>
-              <a:rPr lang="en-US" noProof="0" dirty="0"/>
+              <a:rPr lang="en-US" noProof="0"/>
               <a:t>Quarto </a:t>
             </a:r>
             <a:r>
-              <a:rPr lang="en-US" noProof="0" dirty="0" err="1"/>
+              <a:rPr lang="en-US" noProof="0" err="1"/>
               <a:t>livello</a:t>
             </a:r>
-            <a:endParaRPr lang="en-US" noProof="0" dirty="0"/>
+            <a:endParaRPr lang="en-US" noProof="0"/>
           </a:p>
           <a:p>
             <a:pPr lvl="4"/>
             <a:r>
-              <a:rPr lang="en-US" noProof="0" dirty="0" err="1"/>
+              <a:rPr lang="en-US" noProof="0" err="1"/>
               <a:t>Quinto</a:t>
             </a:r>
             <a:r>
-              <a:rPr lang="en-US" noProof="0" dirty="0"/>
+              <a:rPr lang="en-US" noProof="0"/>
               <a:t> </a:t>
             </a:r>
             <a:r>
-              <a:rPr lang="en-US" noProof="0" dirty="0" err="1"/>
+              <a:rPr lang="en-US" noProof="0" err="1"/>
               <a:t>livello</a:t>
             </a:r>
-            <a:endParaRPr lang="en-US" noProof="0" dirty="0"/>
+            <a:endParaRPr lang="en-US" noProof="0"/>
           </a:p>
         </p:txBody>
       </p:sp>
@@ -3892,24 +3891,24 @@
           <a:lstStyle/>
           <a:p>
             <a:r>
-              <a:rPr lang="en-US" sz="3900" dirty="0"/>
+              <a:rPr lang="en-US" sz="3900"/>
               <a:t>Large-Scale and Multi-Structured Databases</a:t>
             </a:r>
             <a:br>
-              <a:rPr lang="en-US" dirty="0"/>
+              <a:rPr lang="en-US"/>
             </a:br>
             <a:r>
-              <a:rPr lang="en-US" b="1" i="1" dirty="0"/>
+              <a:rPr lang="en-US" b="1" i="1"/>
               <a:t>Project Design</a:t>
             </a:r>
             <a:br>
-              <a:rPr lang="en-US" b="1" i="1" dirty="0"/>
+              <a:rPr lang="en-US" b="1" i="1"/>
             </a:br>
             <a:r>
-              <a:rPr lang="en-US" b="1" i="1" dirty="0"/>
+              <a:rPr lang="en-US" b="1" i="1"/>
               <a:t>Social News</a:t>
             </a:r>
-            <a:endParaRPr lang="en-US" sz="3300" i="1" dirty="0"/>
+            <a:endParaRPr lang="en-US" sz="3300" i="1"/>
           </a:p>
         </p:txBody>
       </p:sp>
@@ -3937,25 +3936,25 @@
           <a:p>
             <a:pPr algn="r"/>
             <a:r>
-              <a:rPr lang="it-IT" sz="1600" dirty="0"/>
+              <a:rPr lang="it-IT" sz="1600"/>
               <a:t>Biondi Matteo</a:t>
             </a:r>
           </a:p>
           <a:p>
             <a:pPr algn="r"/>
             <a:r>
-              <a:rPr lang="it-IT" sz="1600" dirty="0" err="1"/>
+              <a:rPr lang="it-IT" sz="1600" err="1"/>
               <a:t>Burgisi</a:t>
             </a:r>
             <a:r>
-              <a:rPr lang="it-IT" sz="1600" dirty="0"/>
+              <a:rPr lang="it-IT" sz="1600"/>
               <a:t> Martina</a:t>
             </a:r>
           </a:p>
           <a:p>
             <a:pPr algn="r"/>
             <a:r>
-              <a:rPr lang="it-IT" sz="1600" dirty="0"/>
+              <a:rPr lang="it-IT" sz="1600"/>
               <a:t>Cristofani Federico</a:t>
             </a:r>
           </a:p>
@@ -4013,7 +4012,7 @@
           <a:lstStyle/>
           <a:p>
             <a:r>
-              <a:rPr lang="en-US" dirty="0"/>
+              <a:rPr lang="en-US"/>
               <a:t>Application Highlights</a:t>
             </a:r>
           </a:p>
@@ -4055,7 +4054,7 @@
               <a:buChar char="•"/>
             </a:pPr>
             <a:r>
-              <a:rPr lang="en-GB" dirty="0">
+              <a:rPr lang="en-GB">
                 <a:latin typeface="Calibri" panose="020F0502020204030204" pitchFamily="34" charset="0"/>
                 <a:ea typeface="Calibri" panose="020F0502020204030204" pitchFamily="34" charset="0"/>
                 <a:cs typeface="Times New Roman" panose="02020603050405020304" pitchFamily="18" charset="0"/>
@@ -4063,7 +4062,7 @@
               <a:t>T</a:t>
             </a:r>
             <a:r>
-              <a:rPr lang="en-GB" sz="1800" dirty="0">
+              <a:rPr lang="en-GB" sz="1800">
                 <a:effectLst/>
                 <a:latin typeface="Calibri" panose="020F0502020204030204" pitchFamily="34" charset="0"/>
                 <a:ea typeface="Calibri" panose="020F0502020204030204" pitchFamily="34" charset="0"/>
@@ -4072,7 +4071,7 @@
               <a:t>ypes of </a:t>
             </a:r>
             <a:r>
-              <a:rPr lang="en-GB" sz="1800" b="1" dirty="0">
+              <a:rPr lang="en-GB" sz="1800" b="1">
                 <a:effectLst/>
                 <a:latin typeface="Calibri" panose="020F0502020204030204" pitchFamily="34" charset="0"/>
                 <a:ea typeface="Calibri" panose="020F0502020204030204" pitchFamily="34" charset="0"/>
@@ -4081,7 +4080,7 @@
               <a:t>users</a:t>
             </a:r>
             <a:r>
-              <a:rPr lang="en-GB" sz="1800" dirty="0">
+              <a:rPr lang="en-GB" sz="1800">
                 <a:effectLst/>
                 <a:latin typeface="Calibri" panose="020F0502020204030204" pitchFamily="34" charset="0"/>
                 <a:ea typeface="Calibri" panose="020F0502020204030204" pitchFamily="34" charset="0"/>
@@ -4099,7 +4098,7 @@
               <a:buChar char="•"/>
             </a:pPr>
             <a:r>
-              <a:rPr lang="en-GB" sz="1800" b="1" dirty="0">
+              <a:rPr lang="en-GB" sz="1800" b="1">
                 <a:effectLst/>
                 <a:latin typeface="Calibri" panose="020F0502020204030204" pitchFamily="34" charset="0"/>
                 <a:ea typeface="Calibri" panose="020F0502020204030204" pitchFamily="34" charset="0"/>
@@ -4108,7 +4107,7 @@
               <a:t>Readers can </a:t>
             </a:r>
             <a:r>
-              <a:rPr lang="en-GB" sz="1800" dirty="0">
+              <a:rPr lang="en-GB" sz="1800">
                 <a:effectLst/>
                 <a:latin typeface="Calibri" panose="020F0502020204030204" pitchFamily="34" charset="0"/>
                 <a:ea typeface="Calibri" panose="020F0502020204030204" pitchFamily="34" charset="0"/>
@@ -4126,7 +4125,7 @@
               <a:buChar char="•"/>
             </a:pPr>
             <a:r>
-              <a:rPr lang="en-GB" sz="1800" b="1" dirty="0">
+              <a:rPr lang="en-GB" sz="1800" b="1">
                 <a:effectLst/>
                 <a:latin typeface="Calibri" panose="020F0502020204030204" pitchFamily="34" charset="0"/>
                 <a:ea typeface="Calibri" panose="020F0502020204030204" pitchFamily="34" charset="0"/>
@@ -4135,7 +4134,7 @@
               <a:t>Reporters can</a:t>
             </a:r>
             <a:r>
-              <a:rPr lang="en-GB" sz="1800" dirty="0">
+              <a:rPr lang="en-GB" sz="1800">
                 <a:effectLst/>
                 <a:latin typeface="Calibri" panose="020F0502020204030204" pitchFamily="34" charset="0"/>
                 <a:ea typeface="Calibri" panose="020F0502020204030204" pitchFamily="34" charset="0"/>
@@ -4153,7 +4152,7 @@
               <a:buChar char="•"/>
             </a:pPr>
             <a:r>
-              <a:rPr lang="en-GB" sz="1800" b="1" dirty="0">
+              <a:rPr lang="en-GB" sz="1800" b="1">
                 <a:effectLst/>
                 <a:latin typeface="Calibri" panose="020F0502020204030204" pitchFamily="34" charset="0"/>
                 <a:ea typeface="Calibri" panose="020F0502020204030204" pitchFamily="34" charset="0"/>
@@ -4162,7 +4161,7 @@
               <a:t>Administrators can</a:t>
             </a:r>
             <a:r>
-              <a:rPr lang="en-GB" sz="1800" dirty="0">
+              <a:rPr lang="en-GB" sz="1800">
                 <a:effectLst/>
                 <a:latin typeface="Calibri" panose="020F0502020204030204" pitchFamily="34" charset="0"/>
                 <a:ea typeface="Calibri" panose="020F0502020204030204" pitchFamily="34" charset="0"/>
@@ -4180,7 +4179,7 @@
               <a:buChar char="•"/>
             </a:pPr>
             <a:r>
-              <a:rPr lang="en-GB" sz="1800" b="1" dirty="0">
+              <a:rPr lang="en-GB" sz="1800" b="1">
                 <a:effectLst/>
                 <a:latin typeface="Calibri" panose="020F0502020204030204" pitchFamily="34" charset="0"/>
                 <a:ea typeface="Calibri" panose="020F0502020204030204" pitchFamily="34" charset="0"/>
@@ -4189,7 +4188,7 @@
               <a:t>The system</a:t>
             </a:r>
             <a:r>
-              <a:rPr lang="en-GB" sz="1800" dirty="0">
+              <a:rPr lang="en-GB" sz="1800">
                 <a:effectLst/>
                 <a:latin typeface="Calibri" panose="020F0502020204030204" pitchFamily="34" charset="0"/>
                 <a:ea typeface="Calibri" panose="020F0502020204030204" pitchFamily="34" charset="0"/>
@@ -4210,7 +4209,7 @@
               <a:buChar char="•"/>
             </a:pPr>
             <a:r>
-              <a:rPr lang="en-GB" sz="1800" dirty="0">
+              <a:rPr lang="en-GB" sz="1800">
                 <a:effectLst/>
                 <a:latin typeface="Calibri" panose="020F0502020204030204" pitchFamily="34" charset="0"/>
                 <a:ea typeface="Calibri" panose="020F0502020204030204" pitchFamily="34" charset="0"/>
@@ -4219,7 +4218,7 @@
               <a:t>Available </a:t>
             </a:r>
             <a:r>
-              <a:rPr lang="en-GB" sz="1800" b="1" dirty="0">
+              <a:rPr lang="en-GB" sz="1800" b="1">
                 <a:effectLst/>
                 <a:latin typeface="Calibri" panose="020F0502020204030204" pitchFamily="34" charset="0"/>
                 <a:ea typeface="Calibri" panose="020F0502020204030204" pitchFamily="34" charset="0"/>
@@ -4228,7 +4227,7 @@
               <a:t>statistics</a:t>
             </a:r>
             <a:r>
-              <a:rPr lang="en-GB" sz="1800" dirty="0">
+              <a:rPr lang="en-GB" sz="1800">
                 <a:effectLst/>
                 <a:latin typeface="Calibri" panose="020F0502020204030204" pitchFamily="34" charset="0"/>
                 <a:ea typeface="Calibri" panose="020F0502020204030204" pitchFamily="34" charset="0"/>
@@ -4242,7 +4241,7 @@
               <a:buFont typeface="Arial" panose="020B0604020202020204" pitchFamily="34" charset="0"/>
               <a:buChar char="•"/>
             </a:pPr>
-            <a:endParaRPr lang="en-US" dirty="0"/>
+            <a:endParaRPr lang="en-US"/>
           </a:p>
         </p:txBody>
       </p:sp>
@@ -4300,7 +4299,7 @@
           <a:lstStyle/>
           <a:p>
             <a:r>
-              <a:rPr lang="en-US" dirty="0"/>
+              <a:rPr lang="en-US"/>
               <a:t>Actors and main supported functionalities</a:t>
             </a:r>
           </a:p>
@@ -4311,7 +4310,7 @@
           <p:cNvPr id="5" name="Elemento grafico 4">
             <a:extLst>
               <a:ext uri="{FF2B5EF4-FFF2-40B4-BE49-F238E27FC236}">
-                <a16:creationId xmlns:a16="http://schemas.microsoft.com/office/drawing/2014/main" id="{05FC57CA-2C26-BFF8-DA56-215D8AA2D0A4}"/>
+                <a16:creationId xmlns:a16="http://schemas.microsoft.com/office/drawing/2014/main" id="{1E8C05F6-BDEA-592D-D19F-4788A24DA6D7}"/>
               </a:ext>
             </a:extLst>
           </p:cNvPr>
@@ -4334,8 +4333,8 @@
         </p:blipFill>
         <p:spPr>
           <a:xfrm>
-            <a:off x="2579358" y="1233093"/>
-            <a:ext cx="3985283" cy="4849928"/>
+            <a:off x="2582105" y="1233093"/>
+            <a:ext cx="3979789" cy="4843242"/>
           </a:xfrm>
           <a:prstGeom prst="rect">
             <a:avLst/>
@@ -4394,7 +4393,7 @@
           <a:lstStyle/>
           <a:p>
             <a:r>
-              <a:rPr lang="en-US" dirty="0"/>
+              <a:rPr lang="en-US"/>
               <a:t>Dataset Description</a:t>
             </a:r>
           </a:p>
@@ -4429,7 +4428,7 @@
           <a:lstStyle/>
           <a:p>
             <a:r>
-              <a:rPr lang="en-US" sz="2000" b="1" i="1" dirty="0"/>
+              <a:rPr lang="en-US" sz="2000" b="1" i="1"/>
               <a:t>Source:</a:t>
             </a:r>
           </a:p>
@@ -4439,7 +4438,7 @@
               <a:buChar char="•"/>
             </a:pPr>
             <a:r>
-              <a:rPr lang="en-GB" sz="1600" dirty="0"/>
+              <a:rPr lang="en-GB" sz="1600"/>
               <a:t>https://github.com/jbencina/facebook-news</a:t>
             </a:r>
           </a:p>
@@ -4449,7 +4448,7 @@
               <a:buChar char="•"/>
             </a:pPr>
             <a:r>
-              <a:rPr lang="en-GB" sz="1600" dirty="0"/>
+              <a:rPr lang="en-GB" sz="1600"/>
               <a:t>https://www.kaggle.com/datasets/bwandowando/breaking-news-twitter-dataset</a:t>
             </a:r>
           </a:p>
@@ -4459,19 +4458,19 @@
               <a:buChar char="•"/>
             </a:pPr>
             <a:r>
-              <a:rPr lang="en-GB" sz="1600" dirty="0"/>
+              <a:rPr lang="en-GB" sz="1600"/>
               <a:t>https://randomuser.me/</a:t>
             </a:r>
-            <a:endParaRPr lang="en-US" sz="1600" dirty="0"/>
+            <a:endParaRPr lang="en-US" sz="1600"/>
           </a:p>
           <a:p>
             <a:pPr lvl="0"/>
-            <a:endParaRPr lang="en-US" sz="1400" b="1" i="1" dirty="0"/>
+            <a:endParaRPr lang="en-US" sz="1400" b="1" i="1"/>
           </a:p>
           <a:p>
             <a:pPr lvl="0"/>
             <a:r>
-              <a:rPr lang="en-US" sz="2000" b="1" i="1" dirty="0"/>
+              <a:rPr lang="en-US" sz="2000" b="1" i="1"/>
               <a:t>Description:</a:t>
             </a:r>
           </a:p>
@@ -4481,8 +4480,16 @@
               <a:buChar char="•"/>
             </a:pPr>
             <a:r>
+              <a:rPr lang="en-GB" sz="1600"/>
+              <a:t>Facebook posts and comments on news </a:t>
+            </a:r>
+            <a:r>
               <a:rPr lang="en-GB" sz="1600" dirty="0"/>
-              <a:t>Facebook posts and comments on news outlet pages</a:t>
+              <a:t>outlets</a:t>
+            </a:r>
+            <a:r>
+              <a:rPr lang="en-GB" sz="1600"/>
+              <a:t> pages</a:t>
             </a:r>
           </a:p>
           <a:p>
@@ -4491,7 +4498,7 @@
               <a:buChar char="•"/>
             </a:pPr>
             <a:r>
-              <a:rPr lang="en-GB" sz="1600" dirty="0"/>
+              <a:rPr lang="en-GB" sz="1600"/>
               <a:t>Breaking news tweets</a:t>
             </a:r>
           </a:p>
@@ -4501,17 +4508,17 @@
               <a:buChar char="•"/>
             </a:pPr>
             <a:r>
-              <a:rPr lang="en-GB" sz="1600" dirty="0"/>
+              <a:rPr lang="en-GB" sz="1600"/>
               <a:t>Randomly generated users</a:t>
             </a:r>
           </a:p>
           <a:p>
-            <a:endParaRPr lang="en-GB" sz="1400" dirty="0"/>
+            <a:endParaRPr lang="en-GB" sz="1400"/>
           </a:p>
           <a:p>
             <a:pPr lvl="0"/>
             <a:r>
-              <a:rPr lang="en-US" sz="2000" b="1" i="1" dirty="0"/>
+              <a:rPr lang="en-US" sz="2000" b="1" i="1"/>
               <a:t>Volume:</a:t>
             </a:r>
           </a:p>
@@ -4521,7 +4528,7 @@
               <a:buChar char="•"/>
             </a:pPr>
             <a:r>
-              <a:rPr lang="en-US" sz="1600" dirty="0"/>
+              <a:rPr lang="en-US" sz="1600"/>
               <a:t>Post\Tweet and comments after being cleaned at least 104MB</a:t>
             </a:r>
           </a:p>
@@ -4531,22 +4538,22 @@
               <a:buChar char="•"/>
             </a:pPr>
             <a:r>
-              <a:rPr lang="en-US" sz="1600" dirty="0"/>
+              <a:rPr lang="en-US" sz="1600"/>
               <a:t>Generated users 150.000, estimated considering number of real authors of comments and posts</a:t>
             </a:r>
           </a:p>
           <a:p>
             <a:pPr lvl="0"/>
-            <a:endParaRPr lang="en-US" sz="1400" dirty="0"/>
+            <a:endParaRPr lang="en-US" sz="1400"/>
           </a:p>
           <a:p>
             <a:pPr lvl="0"/>
             <a:r>
-              <a:rPr lang="en-US" sz="2000" b="1" i="1" dirty="0"/>
+              <a:rPr lang="en-US" sz="2000" b="1" i="1"/>
               <a:t>Variety</a:t>
             </a:r>
             <a:r>
-              <a:rPr lang="en-US" sz="2000" dirty="0"/>
+              <a:rPr lang="en-US" sz="2000"/>
               <a:t>: </a:t>
             </a:r>
           </a:p>
@@ -4556,7 +4563,7 @@
               <a:buChar char="•"/>
             </a:pPr>
             <a:r>
-              <a:rPr lang="en-US" sz="1600" dirty="0"/>
+              <a:rPr lang="en-US" sz="1600"/>
               <a:t>Data comes from two different sources (Twitter and Facebook)</a:t>
             </a:r>
           </a:p>
@@ -4566,7 +4573,7 @@
               <a:buChar char="•"/>
             </a:pPr>
             <a:r>
-              <a:rPr lang="en-US" sz="1600" dirty="0"/>
+              <a:rPr lang="en-US" sz="1600"/>
               <a:t>Some data attribute are optional </a:t>
             </a:r>
           </a:p>
@@ -4624,7 +4631,7 @@
           <a:lstStyle/>
           <a:p>
             <a:r>
-              <a:rPr lang="en-US" dirty="0"/>
+              <a:rPr lang="en-US"/>
               <a:t>Preliminary UML Class Diagram</a:t>
             </a:r>
           </a:p>
@@ -4714,14 +4721,14 @@
           <a:lstStyle/>
           <a:p>
             <a:r>
-              <a:rPr lang="en-US" dirty="0"/>
+              <a:rPr lang="en-US"/>
               <a:t>Requirements and Entities </a:t>
             </a:r>
             <a:br>
-              <a:rPr lang="en-US" dirty="0"/>
+              <a:rPr lang="en-US"/>
             </a:br>
             <a:r>
-              <a:rPr lang="en-US" dirty="0"/>
+              <a:rPr lang="en-US"/>
               <a:t>handled by Document DB</a:t>
             </a:r>
           </a:p>
@@ -4742,7 +4749,7 @@
         <p:spPr>
           <a:xfrm>
             <a:off x="589935" y="1386348"/>
-            <a:ext cx="7860891" cy="3477875"/>
+            <a:ext cx="7860891" cy="3200876"/>
           </a:xfrm>
           <a:prstGeom prst="rect">
             <a:avLst/>
@@ -4756,7 +4763,7 @@
           <a:lstStyle/>
           <a:p>
             <a:r>
-              <a:rPr lang="en-US" sz="2000" b="1" dirty="0"/>
+              <a:rPr lang="en-US" sz="2000" b="1"/>
               <a:t>Entities:</a:t>
             </a:r>
           </a:p>
@@ -4766,7 +4773,7 @@
               <a:buChar char="•"/>
             </a:pPr>
             <a:r>
-              <a:rPr lang="en-US" dirty="0"/>
+              <a:rPr lang="en-US"/>
               <a:t>User (Reader, Reporter, Admin)</a:t>
             </a:r>
           </a:p>
@@ -4776,7 +4783,7 @@
               <a:buChar char="•"/>
             </a:pPr>
             <a:r>
-              <a:rPr lang="en-US" dirty="0"/>
+              <a:rPr lang="en-US"/>
               <a:t>Post</a:t>
             </a:r>
           </a:p>
@@ -4786,16 +4793,16 @@
               <a:buChar char="•"/>
             </a:pPr>
             <a:r>
-              <a:rPr lang="en-US" dirty="0"/>
+              <a:rPr lang="en-US"/>
               <a:t>Comment</a:t>
             </a:r>
           </a:p>
           <a:p>
-            <a:endParaRPr lang="en-US" dirty="0"/>
-          </a:p>
-          <a:p>
-            <a:r>
-              <a:rPr lang="en-US" sz="2000" b="1" dirty="0"/>
+            <a:endParaRPr lang="en-US"/>
+          </a:p>
+          <a:p>
+            <a:r>
+              <a:rPr lang="en-US" sz="2000" b="1"/>
               <a:t>Statistics and queries:</a:t>
             </a:r>
           </a:p>
@@ -4805,7 +4812,7 @@
               <a:buChar char="•"/>
             </a:pPr>
             <a:r>
-              <a:rPr lang="en-GB" sz="1800" b="1" i="1" dirty="0">
+              <a:rPr lang="en-GB" sz="1800" b="1" i="1">
                 <a:effectLst/>
                 <a:latin typeface="Calibri" panose="020F0502020204030204" pitchFamily="34" charset="0"/>
                 <a:ea typeface="Calibri" panose="020F0502020204030204" pitchFamily="34" charset="0"/>
@@ -4814,7 +4821,7 @@
               <a:t>Most active readers</a:t>
             </a:r>
             <a:r>
-              <a:rPr lang="en-GB" sz="1800" dirty="0">
+              <a:rPr lang="en-GB" sz="1800">
                 <a:effectLst/>
                 <a:latin typeface="Calibri" panose="020F0502020204030204" pitchFamily="34" charset="0"/>
                 <a:ea typeface="Calibri" panose="020F0502020204030204" pitchFamily="34" charset="0"/>
@@ -4823,7 +4830,7 @@
               <a:t>,</a:t>
             </a:r>
             <a:r>
-              <a:rPr lang="en-GB" dirty="0">
+              <a:rPr lang="en-GB">
                 <a:effectLst/>
                 <a:latin typeface="Calibri" panose="020F0502020204030204" pitchFamily="34" charset="0"/>
                 <a:ea typeface="Calibri" panose="020F0502020204030204" pitchFamily="34" charset="0"/>
@@ -4838,12 +4845,12 @@
               <a:buChar char="•"/>
             </a:pPr>
             <a:r>
-              <a:rPr lang="en-US" b="1" i="1" dirty="0"/>
-              <a:t>Most popular reporters</a:t>
-            </a:r>
-            <a:r>
-              <a:rPr lang="en-US" dirty="0"/>
-              <a:t>, reporter with highest number of followers</a:t>
+              <a:rPr lang="en-US" b="1" i="1"/>
+              <a:t>Gender\Nationality statistics</a:t>
+            </a:r>
+            <a:r>
+              <a:rPr lang="en-US"/>
+              <a:t>, readers per gender\nationality in the system</a:t>
             </a:r>
           </a:p>
           <a:p>
@@ -4852,12 +4859,12 @@
               <a:buChar char="•"/>
             </a:pPr>
             <a:r>
-              <a:rPr lang="en-US" b="1" i="1" dirty="0"/>
-              <a:t>Gender\Nationality statistics</a:t>
-            </a:r>
-            <a:r>
-              <a:rPr lang="en-US" dirty="0"/>
-              <a:t>, users per gender\nationality in the system</a:t>
+              <a:rPr lang="en-US" b="1" i="1"/>
+              <a:t>Hot posts of a reporter</a:t>
+            </a:r>
+            <a:r>
+              <a:rPr lang="en-US"/>
+              <a:t>, top 10 most commented posts of a reporter</a:t>
             </a:r>
           </a:p>
           <a:p>
@@ -4866,26 +4873,11 @@
               <a:buChar char="•"/>
             </a:pPr>
             <a:r>
-              <a:rPr lang="en-US" b="1" i="1"/>
-              <a:t>Hot posts of a reporter</a:t>
+              <a:rPr lang="en-US" b="1"/>
+              <a:t>Most active moment</a:t>
             </a:r>
             <a:r>
               <a:rPr lang="en-US"/>
-              <a:t>, top 10 most commented posts of a reporter</a:t>
-            </a:r>
-            <a:endParaRPr lang="en-US" dirty="0"/>
-          </a:p>
-          <a:p>
-            <a:pPr marL="285750" indent="-285750">
-              <a:buFont typeface="Arial" panose="020B0604020202020204" pitchFamily="34" charset="0"/>
-              <a:buChar char="•"/>
-            </a:pPr>
-            <a:r>
-              <a:rPr lang="en-US" b="1" dirty="0"/>
-              <a:t>Most active moment</a:t>
-            </a:r>
-            <a:r>
-              <a:rPr lang="en-US" dirty="0"/>
               <a:t> of the day</a:t>
             </a:r>
           </a:p>
@@ -4945,14 +4937,14 @@
           <a:lstStyle/>
           <a:p>
             <a:r>
-              <a:rPr lang="en-US" dirty="0"/>
+              <a:rPr lang="en-US"/>
               <a:t>Requirements and Entities </a:t>
             </a:r>
             <a:br>
-              <a:rPr lang="en-US" dirty="0"/>
+              <a:rPr lang="en-US"/>
             </a:br>
             <a:r>
-              <a:rPr lang="en-US" dirty="0"/>
+              <a:rPr lang="en-US"/>
               <a:t>handled by Graph DB</a:t>
             </a:r>
           </a:p>
@@ -4973,7 +4965,7 @@
         <p:spPr>
           <a:xfrm>
             <a:off x="589935" y="1386348"/>
-            <a:ext cx="7860891" cy="3477875"/>
+            <a:ext cx="7860891" cy="3754874"/>
           </a:xfrm>
           <a:prstGeom prst="rect">
             <a:avLst/>
@@ -4987,7 +4979,7 @@
           <a:lstStyle/>
           <a:p>
             <a:r>
-              <a:rPr lang="en-US" sz="2000" b="1" dirty="0"/>
+              <a:rPr lang="en-US" sz="2000" b="1"/>
               <a:t>Entities:</a:t>
             </a:r>
           </a:p>
@@ -4997,12 +4989,12 @@
               <a:buChar char="•"/>
             </a:pPr>
             <a:r>
-              <a:rPr lang="en-US" dirty="0"/>
+              <a:rPr lang="en-US"/>
               <a:t>User (Reader, Reporter)</a:t>
             </a:r>
           </a:p>
           <a:p>
-            <a:endParaRPr lang="en-US" dirty="0"/>
+            <a:endParaRPr lang="en-US"/>
           </a:p>
           <a:p>
             <a:pPr marL="742950" lvl="1" indent="-285750">
@@ -5010,7 +5002,7 @@
               <a:buChar char="ü"/>
             </a:pPr>
             <a:r>
-              <a:rPr lang="en-US" dirty="0"/>
+              <a:rPr lang="en-US"/>
               <a:t>Graph DB maintains only the essential information to handle the “follow” relationship between readers and reporters</a:t>
             </a:r>
           </a:p>
@@ -5020,16 +5012,16 @@
               <a:buChar char="ü"/>
             </a:pPr>
             <a:r>
-              <a:rPr lang="en-US" dirty="0"/>
+              <a:rPr lang="en-US"/>
               <a:t>Relationship are unidirectional and the only ones admitted are from reader to reporter</a:t>
             </a:r>
           </a:p>
           <a:p>
-            <a:endParaRPr lang="en-US" dirty="0"/>
-          </a:p>
-          <a:p>
-            <a:r>
-              <a:rPr lang="en-US" sz="2000" b="1" dirty="0"/>
+            <a:endParaRPr lang="en-US"/>
+          </a:p>
+          <a:p>
+            <a:r>
+              <a:rPr lang="en-US" sz="2000" b="1"/>
               <a:t>Statistics and queries:</a:t>
             </a:r>
           </a:p>
@@ -5039,11 +5031,11 @@
               <a:buChar char="•"/>
             </a:pPr>
             <a:r>
-              <a:rPr lang="en-US" dirty="0"/>
+              <a:rPr lang="en-US"/>
               <a:t>Given a reader, </a:t>
             </a:r>
             <a:r>
-              <a:rPr lang="en-US" b="1" i="1" dirty="0"/>
+              <a:rPr lang="en-US" b="1" i="1"/>
               <a:t>retrieve his\her followed reporters</a:t>
             </a:r>
           </a:p>
@@ -5053,7 +5045,22 @@
               <a:buChar char="•"/>
             </a:pPr>
             <a:r>
-              <a:rPr lang="en-GB" sz="1800" b="1" i="1" dirty="0">
+              <a:rPr lang="en-US" b="1" i="1" dirty="0"/>
+              <a:t>Most popular reporters</a:t>
+            </a:r>
+            <a:r>
+              <a:rPr lang="en-US" dirty="0"/>
+              <a:t>, reporter with highest number of followers</a:t>
+            </a:r>
+            <a:endParaRPr lang="en-US" b="1" i="1" dirty="0"/>
+          </a:p>
+          <a:p>
+            <a:pPr marL="285750" indent="-285750">
+              <a:buFont typeface="Arial" panose="020B0604020202020204" pitchFamily="34" charset="0"/>
+              <a:buChar char="•"/>
+            </a:pPr>
+            <a:r>
+              <a:rPr lang="en-GB" sz="1800" b="1" i="1">
                 <a:effectLst/>
                 <a:latin typeface="Calibri" panose="020F0502020204030204" pitchFamily="34" charset="0"/>
                 <a:ea typeface="Calibri" panose="020F0502020204030204" pitchFamily="34" charset="0"/>
@@ -5062,7 +5069,7 @@
               <a:t>Suggest the most followed reporters</a:t>
             </a:r>
             <a:r>
-              <a:rPr lang="en-GB" sz="1800" b="1" dirty="0">
+              <a:rPr lang="en-GB" sz="1800" b="1">
                 <a:effectLst/>
                 <a:latin typeface="Calibri" panose="020F0502020204030204" pitchFamily="34" charset="0"/>
                 <a:ea typeface="Calibri" panose="020F0502020204030204" pitchFamily="34" charset="0"/>
@@ -5071,7 +5078,7 @@
               <a:t> </a:t>
             </a:r>
             <a:r>
-              <a:rPr lang="en-GB" sz="1800" dirty="0">
+              <a:rPr lang="en-GB" sz="1800">
                 <a:effectLst/>
                 <a:latin typeface="Calibri" panose="020F0502020204030204" pitchFamily="34" charset="0"/>
                 <a:ea typeface="Calibri" panose="020F0502020204030204" pitchFamily="34" charset="0"/>
@@ -5079,10 +5086,10 @@
               </a:rPr>
               <a:t>that reader doesn’t follow yet</a:t>
             </a:r>
-            <a:endParaRPr lang="en-US" b="1" dirty="0"/>
-          </a:p>
-          <a:p>
-            <a:endParaRPr lang="en-US" b="1" dirty="0"/>
+            <a:endParaRPr lang="en-US" b="1"/>
+          </a:p>
+          <a:p>
+            <a:endParaRPr lang="en-US" b="1"/>
           </a:p>
         </p:txBody>
       </p:sp>
